--- a/Diplomski prezentacija.pptx
+++ b/Diplomski prezentacija.pptx
@@ -8793,6 +8793,116 @@
           </a:ln>
         </p:spPr>
       </p:pic>
+      <p:sp>
+        <p:nvSpPr>
+          <p:cNvPr id="166" name=""/>
+          <p:cNvSpPr txBox="1"/>
+          <p:nvPr/>
+        </p:nvSpPr>
+        <p:spPr>
+          <a:xfrm>
+            <a:off x="7158600" y="3922200"/>
+            <a:ext cx="230040" cy="232200"/>
+          </a:xfrm>
+          <a:prstGeom prst="rect">
+            <a:avLst/>
+          </a:prstGeom>
+          <a:noFill/>
+          <a:ln w="0">
+            <a:noFill/>
+          </a:ln>
+        </p:spPr>
+        <p:txBody>
+          <a:bodyPr wrap="none" lIns="90000" rIns="90000" tIns="45000" bIns="45000" anchor="t">
+            <a:noAutofit/>
+          </a:bodyPr>
+          <a:p>
+            <a:r>
+              <a:rPr b="0" lang="en-US" sz="1000" strike="noStrike" u="none">
+                <a:solidFill>
+                  <a:srgbClr val="000000"/>
+                </a:solidFill>
+                <a:uFillTx/>
+                <a:latin typeface="Arial"/>
+              </a:rPr>
+              <a:t>*</a:t>
+            </a:r>
+            <a:endParaRPr b="0" lang="en-US" sz="1000" strike="noStrike" u="none">
+              <a:solidFill>
+                <a:srgbClr val="000000"/>
+              </a:solidFill>
+              <a:uFillTx/>
+              <a:latin typeface="Arial"/>
+            </a:endParaRPr>
+          </a:p>
+        </p:txBody>
+      </p:sp>
+      <p:sp>
+        <p:nvSpPr>
+          <p:cNvPr id="167" name=""/>
+          <p:cNvSpPr/>
+          <p:nvPr/>
+        </p:nvSpPr>
+        <p:spPr>
+          <a:xfrm>
+            <a:off x="3970800" y="4559760"/>
+            <a:ext cx="4824000" cy="318960"/>
+          </a:xfrm>
+          <a:prstGeom prst="rect">
+            <a:avLst/>
+          </a:prstGeom>
+          <a:noFill/>
+          <a:ln w="0">
+            <a:noFill/>
+          </a:ln>
+        </p:spPr>
+        <p:style>
+          <a:lnRef idx="0"/>
+          <a:fillRef idx="0"/>
+          <a:effectRef idx="0"/>
+          <a:fontRef idx="minor"/>
+        </p:style>
+        <p:txBody>
+          <a:bodyPr lIns="90000" rIns="90000" tIns="45000" bIns="45000" anchor="t">
+            <a:noAutofit/>
+          </a:bodyPr>
+          <a:p>
+            <a:pPr>
+              <a:lnSpc>
+                <a:spcPct val="100000"/>
+              </a:lnSpc>
+            </a:pPr>
+            <a:r>
+              <a:rPr b="0" lang="en-US" sz="800" strike="noStrike" u="none">
+                <a:solidFill>
+                  <a:srgbClr val="000000"/>
+                </a:solidFill>
+                <a:uFillTx/>
+                <a:latin typeface="Arial"/>
+              </a:rPr>
+              <a:t>* ExchangeRate-API је производ компаније AYR Tech (Pty) Ltd. - </a:t>
+            </a:r>
+            <a:r>
+              <a:rPr b="0" lang="en-US" sz="800" strike="noStrike" u="none">
+                <a:solidFill>
+                  <a:srgbClr val="333333"/>
+                </a:solidFill>
+                <a:uFillTx/>
+                <a:latin typeface="Arial"/>
+                <a:hlinkClick r:id="rId2"/>
+              </a:rPr>
+              <a:t>https://www.exchangerate-api.com/</a:t>
+            </a:r>
+            <a:endParaRPr b="0" lang="en-US" sz="800" strike="noStrike" u="none">
+              <a:solidFill>
+                <a:srgbClr val="000000"/>
+              </a:solidFill>
+              <a:uFillTx/>
+              <a:latin typeface="Arial"/>
+            </a:endParaRPr>
+          </a:p>
+        </p:txBody>
+      </p:sp>
     </p:spTree>
   </p:cSld>
   <mc:AlternateContent>
@@ -8825,7 +8935,7 @@
       </p:grpSpPr>
       <p:sp>
         <p:nvSpPr>
-          <p:cNvPr id="166" name="Google Shape;336;p 3"/>
+          <p:cNvPr id="168" name="Google Shape;336;p 3"/>
           <p:cNvSpPr/>
           <p:nvPr/>
         </p:nvSpPr>
@@ -8890,7 +9000,7 @@
       </p:sp>
       <p:graphicFrame>
         <p:nvGraphicFramePr>
-          <p:cNvPr id="167" name=""/>
+          <p:cNvPr id="169" name=""/>
           <p:cNvGraphicFramePr/>
           <p:nvPr/>
         </p:nvGraphicFramePr>
@@ -10161,7 +10271,7 @@
       </p:graphicFrame>
       <p:sp>
         <p:nvSpPr>
-          <p:cNvPr id="168" name=""/>
+          <p:cNvPr id="170" name=""/>
           <p:cNvSpPr/>
           <p:nvPr/>
         </p:nvSpPr>
@@ -10201,8 +10311,19 @@
                 </a:solidFill>
                 <a:uFillTx/>
                 <a:latin typeface="Arial"/>
+                <a:ea typeface="Microsoft YaHei"/>
               </a:rPr>
-              <a:t>* ExchangeRate-API is a product of AYR Tech (Pty) Ltd. - </a:t>
+              <a:t>*</a:t>
+            </a:r>
+            <a:r>
+              <a:rPr b="0" lang="en-US" sz="800" strike="noStrike" u="none">
+                <a:solidFill>
+                  <a:srgbClr val="000000"/>
+                </a:solidFill>
+                <a:uFillTx/>
+                <a:latin typeface="Arial"/>
+              </a:rPr>
+              <a:t> ExchangeRate-API је производ компаније AYR Tech (Pty) Ltd. - </a:t>
             </a:r>
             <a:r>
               <a:rPr b="0" lang="en-US" sz="800" strike="noStrike" u="none">
@@ -10257,7 +10378,7 @@
       </p:grpSpPr>
       <p:sp>
         <p:nvSpPr>
-          <p:cNvPr id="169" name="Google Shape;336;p 4"/>
+          <p:cNvPr id="171" name="Google Shape;336;p 4"/>
           <p:cNvSpPr/>
           <p:nvPr/>
         </p:nvSpPr>
@@ -10322,7 +10443,7 @@
       </p:sp>
       <p:sp>
         <p:nvSpPr>
-          <p:cNvPr id="170" name="Google Shape;337;p 3"/>
+          <p:cNvPr id="172" name="Google Shape;337;p 3"/>
           <p:cNvSpPr/>
           <p:nvPr/>
         </p:nvSpPr>
@@ -10455,7 +10576,7 @@
       </p:sp>
       <p:pic>
         <p:nvPicPr>
-          <p:cNvPr id="171" name="" descr=""/>
+          <p:cNvPr id="173" name="" descr=""/>
           <p:cNvPicPr/>
           <p:nvPr/>
         </p:nvPicPr>
@@ -10509,7 +10630,7 @@
       </p:grpSpPr>
       <p:sp>
         <p:nvSpPr>
-          <p:cNvPr id="172" name="Google Shape;336;p 5"/>
+          <p:cNvPr id="174" name="Google Shape;336;p 5"/>
           <p:cNvSpPr/>
           <p:nvPr/>
         </p:nvSpPr>
@@ -10574,7 +10695,7 @@
       </p:sp>
       <p:sp>
         <p:nvSpPr>
-          <p:cNvPr id="173" name="Google Shape;337;p 2"/>
+          <p:cNvPr id="175" name="Google Shape;337;p 2"/>
           <p:cNvSpPr/>
           <p:nvPr/>
         </p:nvSpPr>
@@ -10707,7 +10828,7 @@
       </p:sp>
       <p:pic>
         <p:nvPicPr>
-          <p:cNvPr id="174" name="" descr=""/>
+          <p:cNvPr id="176" name="" descr=""/>
           <p:cNvPicPr/>
           <p:nvPr/>
         </p:nvPicPr>
@@ -10730,7 +10851,7 @@
       </p:pic>
       <p:pic>
         <p:nvPicPr>
-          <p:cNvPr id="175" name="" descr=""/>
+          <p:cNvPr id="177" name="" descr=""/>
           <p:cNvPicPr/>
           <p:nvPr/>
         </p:nvPicPr>
@@ -10783,7 +10904,7 @@
       </p:grpSpPr>
       <p:sp>
         <p:nvSpPr>
-          <p:cNvPr id="176" name="PlaceHolder 1"/>
+          <p:cNvPr id="178" name="PlaceHolder 1"/>
           <p:cNvSpPr>
             <a:spLocks noGrp="1"/>
           </p:cNvSpPr>

--- a/Diplomski prezentacija.pptx
+++ b/Diplomski prezentacija.pptx
@@ -10494,7 +10494,7 @@
                 <a:latin typeface="Hanken Grotesk"/>
                 <a:ea typeface="Hanken Grotesk"/>
               </a:rPr>
-              <a:t>BFS (Breadth-First Search) алгоритам претраге графа.</a:t>
+              <a:t>Користи BFS (Breadth-First Search) алгоритам претраге графа.</a:t>
             </a:r>
             <a:endParaRPr b="0" lang="en-US" sz="1400" strike="noStrike" u="none">
               <a:solidFill>

--- a/Diplomski prezentacija.pptx
+++ b/Diplomski prezentacija.pptx
@@ -1077,7 +1077,7 @@
         <p:spPr>
           <a:xfrm>
             <a:off x="7346160" y="130320"/>
-            <a:ext cx="4888440" cy="4888440"/>
+            <a:ext cx="4888080" cy="4888080"/>
           </a:xfrm>
           <a:prstGeom prst="ellipse">
             <a:avLst/>
@@ -1127,9 +1127,9 @@
         <p:grpSpPr>
           <a:xfrm>
             <a:off x="727200" y="-48960"/>
-            <a:ext cx="7703640" cy="5243040"/>
+            <a:ext cx="7704000" cy="5243400"/>
             <a:chOff x="727200" y="-48960"/>
-            <a:chExt cx="7703640" cy="5243040"/>
+            <a:chExt cx="7704000" cy="5243400"/>
           </a:xfrm>
         </p:grpSpPr>
         <p:sp>
@@ -1141,7 +1141,7 @@
           <p:spPr>
             <a:xfrm>
               <a:off x="727560" y="533520"/>
-              <a:ext cx="7702560" cy="4074120"/>
+              <a:ext cx="7702200" cy="4073760"/>
             </a:xfrm>
             <a:prstGeom prst="rect">
               <a:avLst/>
@@ -1192,7 +1192,7 @@
           <p:spPr>
             <a:xfrm flipV="1">
               <a:off x="727200" y="-48960"/>
-              <a:ext cx="720" cy="585720"/>
+              <a:ext cx="1080" cy="586080"/>
             </a:xfrm>
             <a:prstGeom prst="straightConnector1">
               <a:avLst/>
@@ -1214,7 +1214,7 @@
           <p:spPr>
             <a:xfrm flipV="1">
               <a:off x="8430480" y="4608360"/>
-              <a:ext cx="720" cy="586080"/>
+              <a:ext cx="1080" cy="586440"/>
             </a:xfrm>
             <a:prstGeom prst="straightConnector1">
               <a:avLst/>
@@ -1240,8 +1240,8 @@
         </p:nvSpPr>
         <p:spPr>
           <a:xfrm>
-            <a:off x="1644480" y="1733400"/>
-            <a:ext cx="5854320" cy="759960"/>
+            <a:off x="457200" y="205200"/>
+            <a:ext cx="8228880" cy="858240"/>
           </a:xfrm>
           <a:prstGeom prst="rect">
             <a:avLst/>
@@ -1560,7 +1560,7 @@
         <p:spPr>
           <a:xfrm>
             <a:off x="8240760" y="4204440"/>
-            <a:ext cx="1860840" cy="1860840"/>
+            <a:ext cx="1860480" cy="1860480"/>
           </a:xfrm>
           <a:prstGeom prst="ellipse">
             <a:avLst/>
@@ -1610,9 +1610,9 @@
         <p:grpSpPr>
           <a:xfrm>
             <a:off x="232200" y="232560"/>
-            <a:ext cx="8988480" cy="5000400"/>
+            <a:ext cx="8988840" cy="5000760"/>
             <a:chOff x="232200" y="232560"/>
-            <a:chExt cx="8988480" cy="5000400"/>
+            <a:chExt cx="8988840" cy="5000760"/>
           </a:xfrm>
         </p:grpSpPr>
         <p:sp>
@@ -1624,7 +1624,7 @@
           <p:spPr>
             <a:xfrm>
               <a:off x="232200" y="232920"/>
-              <a:ext cx="8678160" cy="4683960"/>
+              <a:ext cx="8677800" cy="4683600"/>
             </a:xfrm>
             <a:prstGeom prst="rect">
               <a:avLst/>
@@ -1675,7 +1675,7 @@
           <p:spPr>
             <a:xfrm flipH="1">
               <a:off x="8911080" y="232560"/>
-              <a:ext cx="309960" cy="720"/>
+              <a:ext cx="310320" cy="1080"/>
             </a:xfrm>
             <a:prstGeom prst="straightConnector1">
               <a:avLst/>
@@ -1697,7 +1697,7 @@
           <p:spPr>
             <a:xfrm>
               <a:off x="233280" y="4917240"/>
-              <a:ext cx="720" cy="316080"/>
+              <a:ext cx="1080" cy="316440"/>
             </a:xfrm>
             <a:prstGeom prst="straightConnector1">
               <a:avLst/>
@@ -1753,7 +1753,7 @@
         <p:spPr>
           <a:xfrm>
             <a:off x="8142120" y="-886680"/>
-            <a:ext cx="1860840" cy="1860840"/>
+            <a:ext cx="1860480" cy="1860480"/>
           </a:xfrm>
           <a:prstGeom prst="ellipse">
             <a:avLst/>
@@ -1803,9 +1803,9 @@
         <p:grpSpPr>
           <a:xfrm>
             <a:off x="-720" y="1466640"/>
-            <a:ext cx="939960" cy="2327400"/>
+            <a:ext cx="940320" cy="2327760"/>
             <a:chOff x="-720" y="1466640"/>
-            <a:chExt cx="939960" cy="2327400"/>
+            <a:chExt cx="940320" cy="2327760"/>
           </a:xfrm>
         </p:grpSpPr>
         <p:cxnSp>
@@ -1817,7 +1817,7 @@
           <p:spPr>
             <a:xfrm>
               <a:off x="-720" y="1466640"/>
-              <a:ext cx="940320" cy="720"/>
+              <a:ext cx="940680" cy="1080"/>
             </a:xfrm>
             <a:prstGeom prst="straightConnector1">
               <a:avLst/>
@@ -1839,7 +1839,7 @@
           <p:spPr>
             <a:xfrm>
               <a:off x="-720" y="2668320"/>
-              <a:ext cx="940320" cy="720"/>
+              <a:ext cx="940680" cy="1080"/>
             </a:xfrm>
             <a:prstGeom prst="straightConnector1">
               <a:avLst/>
@@ -1861,7 +1861,7 @@
           <p:spPr>
             <a:xfrm>
               <a:off x="-720" y="3793680"/>
-              <a:ext cx="940320" cy="720"/>
+              <a:ext cx="940680" cy="1080"/>
             </a:xfrm>
             <a:prstGeom prst="straightConnector1">
               <a:avLst/>
@@ -1884,9 +1884,9 @@
         <p:grpSpPr>
           <a:xfrm>
             <a:off x="232200" y="232560"/>
-            <a:ext cx="8988480" cy="5000400"/>
+            <a:ext cx="8988840" cy="5000760"/>
             <a:chOff x="232200" y="232560"/>
-            <a:chExt cx="8988480" cy="5000400"/>
+            <a:chExt cx="8988840" cy="5000760"/>
           </a:xfrm>
         </p:grpSpPr>
         <p:sp>
@@ -1898,7 +1898,7 @@
           <p:spPr>
             <a:xfrm>
               <a:off x="232200" y="232920"/>
-              <a:ext cx="8678160" cy="4683960"/>
+              <a:ext cx="8677800" cy="4683600"/>
             </a:xfrm>
             <a:prstGeom prst="rect">
               <a:avLst/>
@@ -1949,7 +1949,7 @@
           <p:spPr>
             <a:xfrm flipH="1">
               <a:off x="8911080" y="232560"/>
-              <a:ext cx="309960" cy="720"/>
+              <a:ext cx="310320" cy="1080"/>
             </a:xfrm>
             <a:prstGeom prst="straightConnector1">
               <a:avLst/>
@@ -1971,7 +1971,7 @@
           <p:spPr>
             <a:xfrm>
               <a:off x="233280" y="4917240"/>
-              <a:ext cx="720" cy="316080"/>
+              <a:ext cx="1080" cy="316440"/>
             </a:xfrm>
             <a:prstGeom prst="straightConnector1">
               <a:avLst/>
@@ -2027,7 +2027,7 @@
         <p:spPr>
           <a:xfrm>
             <a:off x="6433560" y="0"/>
-            <a:ext cx="5142960" cy="5142960"/>
+            <a:ext cx="5142600" cy="5142600"/>
           </a:xfrm>
           <a:prstGeom prst="ellipse">
             <a:avLst/>
@@ -2077,9 +2077,9 @@
         <p:grpSpPr>
           <a:xfrm>
             <a:off x="713160" y="-62280"/>
-            <a:ext cx="7717680" cy="5209920"/>
+            <a:ext cx="7718040" cy="5210280"/>
             <a:chOff x="713160" y="-62280"/>
-            <a:chExt cx="7717680" cy="5209920"/>
+            <a:chExt cx="7718040" cy="5210280"/>
           </a:xfrm>
         </p:grpSpPr>
         <p:sp>
@@ -2091,7 +2091,7 @@
           <p:spPr>
             <a:xfrm>
               <a:off x="713160" y="533520"/>
-              <a:ext cx="7716960" cy="4074120"/>
+              <a:ext cx="7716600" cy="4073760"/>
             </a:xfrm>
             <a:prstGeom prst="rect">
               <a:avLst/>
@@ -2142,7 +2142,7 @@
           <p:spPr>
             <a:xfrm flipV="1">
               <a:off x="713160" y="-62280"/>
-              <a:ext cx="720" cy="596520"/>
+              <a:ext cx="1080" cy="596880"/>
             </a:xfrm>
             <a:prstGeom prst="straightConnector1">
               <a:avLst/>
@@ -2164,7 +2164,7 @@
           <p:spPr>
             <a:xfrm>
               <a:off x="8430480" y="4608360"/>
-              <a:ext cx="720" cy="539640"/>
+              <a:ext cx="1080" cy="540000"/>
             </a:xfrm>
             <a:prstGeom prst="straightConnector1">
               <a:avLst/>
@@ -2220,7 +2220,7 @@
         <p:spPr>
           <a:xfrm>
             <a:off x="8240760" y="-926640"/>
-            <a:ext cx="1860840" cy="1860840"/>
+            <a:ext cx="1860480" cy="1860480"/>
           </a:xfrm>
           <a:prstGeom prst="ellipse">
             <a:avLst/>
@@ -2270,9 +2270,9 @@
         <p:grpSpPr>
           <a:xfrm>
             <a:off x="232200" y="-59760"/>
-            <a:ext cx="9070560" cy="4977360"/>
+            <a:ext cx="9070920" cy="4977720"/>
             <a:chOff x="232200" y="-59760"/>
-            <a:chExt cx="9070560" cy="4977360"/>
+            <a:chExt cx="9070920" cy="4977720"/>
           </a:xfrm>
         </p:grpSpPr>
         <p:sp>
@@ -2284,7 +2284,7 @@
           <p:spPr>
             <a:xfrm>
               <a:off x="232200" y="232920"/>
-              <a:ext cx="8678160" cy="4683960"/>
+              <a:ext cx="8677800" cy="4683600"/>
             </a:xfrm>
             <a:prstGeom prst="rect">
               <a:avLst/>
@@ -2335,7 +2335,7 @@
           <p:spPr>
             <a:xfrm flipV="1">
               <a:off x="232200" y="-59760"/>
-              <a:ext cx="720" cy="297000"/>
+              <a:ext cx="1080" cy="297360"/>
             </a:xfrm>
             <a:prstGeom prst="straightConnector1">
               <a:avLst/>
@@ -2357,7 +2357,7 @@
           <p:spPr>
             <a:xfrm>
               <a:off x="8904600" y="4917240"/>
-              <a:ext cx="398520" cy="720"/>
+              <a:ext cx="398880" cy="1080"/>
             </a:xfrm>
             <a:prstGeom prst="straightConnector1">
               <a:avLst/>
@@ -2413,7 +2413,7 @@
         <p:spPr>
           <a:xfrm>
             <a:off x="8142120" y="-886680"/>
-            <a:ext cx="1860840" cy="1860840"/>
+            <a:ext cx="1860480" cy="1860480"/>
           </a:xfrm>
           <a:prstGeom prst="ellipse">
             <a:avLst/>
@@ -2463,9 +2463,9 @@
         <p:grpSpPr>
           <a:xfrm>
             <a:off x="-18720" y="232560"/>
-            <a:ext cx="9189000" cy="4685040"/>
+            <a:ext cx="9189360" cy="4685400"/>
             <a:chOff x="-18720" y="232560"/>
-            <a:chExt cx="9189000" cy="4685040"/>
+            <a:chExt cx="9189360" cy="4685400"/>
           </a:xfrm>
         </p:grpSpPr>
         <p:sp>
@@ -2477,7 +2477,7 @@
           <p:spPr>
             <a:xfrm>
               <a:off x="232200" y="232920"/>
-              <a:ext cx="8678160" cy="4683960"/>
+              <a:ext cx="8677800" cy="4683600"/>
             </a:xfrm>
             <a:prstGeom prst="rect">
               <a:avLst/>
@@ -2528,7 +2528,7 @@
           <p:spPr>
             <a:xfrm flipH="1">
               <a:off x="-18720" y="232560"/>
-              <a:ext cx="259200" cy="720"/>
+              <a:ext cx="259560" cy="1080"/>
             </a:xfrm>
             <a:prstGeom prst="straightConnector1">
               <a:avLst/>
@@ -2550,7 +2550,7 @@
           <p:spPr>
             <a:xfrm flipH="1">
               <a:off x="8911080" y="4917240"/>
-              <a:ext cx="259560" cy="720"/>
+              <a:ext cx="259920" cy="1080"/>
             </a:xfrm>
             <a:prstGeom prst="straightConnector1">
               <a:avLst/>
@@ -2606,7 +2606,7 @@
         <p:spPr>
           <a:xfrm>
             <a:off x="8142120" y="-886680"/>
-            <a:ext cx="1860840" cy="1860840"/>
+            <a:ext cx="1860480" cy="1860480"/>
           </a:xfrm>
           <a:prstGeom prst="ellipse">
             <a:avLst/>
@@ -2656,9 +2656,9 @@
         <p:grpSpPr>
           <a:xfrm>
             <a:off x="232200" y="232560"/>
-            <a:ext cx="8988480" cy="5000400"/>
+            <a:ext cx="8988840" cy="5000760"/>
             <a:chOff x="232200" y="232560"/>
-            <a:chExt cx="8988480" cy="5000400"/>
+            <a:chExt cx="8988840" cy="5000760"/>
           </a:xfrm>
         </p:grpSpPr>
         <p:sp>
@@ -2670,7 +2670,7 @@
           <p:spPr>
             <a:xfrm>
               <a:off x="232200" y="232920"/>
-              <a:ext cx="8678160" cy="4683960"/>
+              <a:ext cx="8677800" cy="4683600"/>
             </a:xfrm>
             <a:prstGeom prst="rect">
               <a:avLst/>
@@ -2721,7 +2721,7 @@
           <p:spPr>
             <a:xfrm flipH="1">
               <a:off x="8911080" y="232560"/>
-              <a:ext cx="309960" cy="720"/>
+              <a:ext cx="310320" cy="1080"/>
             </a:xfrm>
             <a:prstGeom prst="straightConnector1">
               <a:avLst/>
@@ -2743,7 +2743,7 @@
           <p:spPr>
             <a:xfrm>
               <a:off x="233280" y="4917240"/>
-              <a:ext cx="720" cy="316080"/>
+              <a:ext cx="1080" cy="316440"/>
             </a:xfrm>
             <a:prstGeom prst="straightConnector1">
               <a:avLst/>
@@ -2799,7 +2799,7 @@
         <p:spPr>
           <a:xfrm>
             <a:off x="6309000" y="2486880"/>
-            <a:ext cx="4242600" cy="4242600"/>
+            <a:ext cx="4242240" cy="4242240"/>
           </a:xfrm>
           <a:prstGeom prst="ellipse">
             <a:avLst/>
@@ -2849,9 +2849,9 @@
         <p:grpSpPr>
           <a:xfrm>
             <a:off x="-69480" y="539280"/>
-            <a:ext cx="9455760" cy="4069440"/>
+            <a:ext cx="9456120" cy="4069800"/>
             <a:chOff x="-69480" y="539280"/>
-            <a:chExt cx="9455760" cy="4069440"/>
+            <a:chExt cx="9456120" cy="4069800"/>
           </a:xfrm>
         </p:grpSpPr>
         <p:grpSp>
@@ -2863,9 +2863,9 @@
           <p:grpSpPr>
             <a:xfrm>
               <a:off x="713160" y="539640"/>
-              <a:ext cx="8673120" cy="4069080"/>
+              <a:ext cx="8673480" cy="4069440"/>
               <a:chOff x="713160" y="539640"/>
-              <a:chExt cx="8673120" cy="4069080"/>
+              <a:chExt cx="8673480" cy="4069440"/>
             </a:xfrm>
           </p:grpSpPr>
           <p:sp>
@@ -2877,7 +2877,7 @@
             <p:spPr>
               <a:xfrm>
                 <a:off x="713160" y="539640"/>
-                <a:ext cx="7716960" cy="4068360"/>
+                <a:ext cx="7716600" cy="4068000"/>
               </a:xfrm>
               <a:prstGeom prst="rect">
                 <a:avLst/>
@@ -2928,7 +2928,7 @@
             <p:spPr>
               <a:xfrm>
                 <a:off x="8407440" y="4608360"/>
-                <a:ext cx="979200" cy="720"/>
+                <a:ext cx="979560" cy="1080"/>
               </a:xfrm>
               <a:prstGeom prst="straightConnector1">
                 <a:avLst/>
@@ -2951,7 +2951,7 @@
           <p:spPr>
             <a:xfrm flipH="1">
               <a:off x="-69480" y="539280"/>
-              <a:ext cx="789480" cy="720"/>
+              <a:ext cx="789840" cy="1080"/>
             </a:xfrm>
             <a:prstGeom prst="straightConnector1">
               <a:avLst/>
@@ -3007,7 +3007,7 @@
         <p:spPr>
           <a:xfrm>
             <a:off x="8240760" y="-926640"/>
-            <a:ext cx="1860840" cy="1860840"/>
+            <a:ext cx="1860480" cy="1860480"/>
           </a:xfrm>
           <a:prstGeom prst="ellipse">
             <a:avLst/>
@@ -3057,9 +3057,9 @@
         <p:grpSpPr>
           <a:xfrm>
             <a:off x="-18720" y="232560"/>
-            <a:ext cx="9189000" cy="4685040"/>
+            <a:ext cx="9189360" cy="4685400"/>
             <a:chOff x="-18720" y="232560"/>
-            <a:chExt cx="9189000" cy="4685040"/>
+            <a:chExt cx="9189360" cy="4685400"/>
           </a:xfrm>
         </p:grpSpPr>
         <p:sp>
@@ -3071,7 +3071,7 @@
           <p:spPr>
             <a:xfrm>
               <a:off x="232200" y="232920"/>
-              <a:ext cx="8678160" cy="4683960"/>
+              <a:ext cx="8677800" cy="4683600"/>
             </a:xfrm>
             <a:prstGeom prst="rect">
               <a:avLst/>
@@ -3122,7 +3122,7 @@
           <p:spPr>
             <a:xfrm flipH="1">
               <a:off x="-18720" y="4917240"/>
-              <a:ext cx="259200" cy="720"/>
+              <a:ext cx="259560" cy="1080"/>
             </a:xfrm>
             <a:prstGeom prst="straightConnector1">
               <a:avLst/>
@@ -3144,7 +3144,7 @@
           <p:spPr>
             <a:xfrm flipH="1">
               <a:off x="8911080" y="232560"/>
-              <a:ext cx="259560" cy="720"/>
+              <a:ext cx="259920" cy="1080"/>
             </a:xfrm>
             <a:prstGeom prst="straightConnector1">
               <a:avLst/>
@@ -3200,7 +3200,7 @@
         <p:spPr>
           <a:xfrm>
             <a:off x="-924480" y="4204440"/>
-            <a:ext cx="1860840" cy="1860840"/>
+            <a:ext cx="1860480" cy="1860480"/>
           </a:xfrm>
           <a:prstGeom prst="ellipse">
             <a:avLst/>
@@ -3250,9 +3250,9 @@
         <p:grpSpPr>
           <a:xfrm>
             <a:off x="232200" y="232560"/>
-            <a:ext cx="8988480" cy="4964760"/>
+            <a:ext cx="8988840" cy="4965120"/>
             <a:chOff x="232200" y="232560"/>
-            <a:chExt cx="8988480" cy="4964760"/>
+            <a:chExt cx="8988840" cy="4965120"/>
           </a:xfrm>
         </p:grpSpPr>
         <p:sp>
@@ -3264,7 +3264,7 @@
           <p:spPr>
             <a:xfrm>
               <a:off x="232200" y="232920"/>
-              <a:ext cx="8678160" cy="4683960"/>
+              <a:ext cx="8677800" cy="4683600"/>
             </a:xfrm>
             <a:prstGeom prst="rect">
               <a:avLst/>
@@ -3315,7 +3315,7 @@
           <p:spPr>
             <a:xfrm flipH="1">
               <a:off x="8911080" y="232560"/>
-              <a:ext cx="309960" cy="720"/>
+              <a:ext cx="310320" cy="1080"/>
             </a:xfrm>
             <a:prstGeom prst="straightConnector1">
               <a:avLst/>
@@ -3337,7 +3337,7 @@
           <p:spPr>
             <a:xfrm flipV="1">
               <a:off x="232200" y="4890240"/>
-              <a:ext cx="720" cy="307440"/>
+              <a:ext cx="1080" cy="307800"/>
             </a:xfrm>
             <a:prstGeom prst="straightConnector1">
               <a:avLst/>
@@ -3683,7 +3683,7 @@
         <p:spPr>
           <a:xfrm>
             <a:off x="6677280" y="-9000"/>
-            <a:ext cx="5160960" cy="5160960"/>
+            <a:ext cx="5160600" cy="5160600"/>
           </a:xfrm>
           <a:prstGeom prst="ellipse">
             <a:avLst/>
@@ -3733,9 +3733,9 @@
         <p:grpSpPr>
           <a:xfrm>
             <a:off x="713160" y="-78840"/>
-            <a:ext cx="8791200" cy="4687560"/>
+            <a:ext cx="8791560" cy="4687920"/>
             <a:chOff x="713160" y="-78840"/>
-            <a:chExt cx="8791200" cy="4687560"/>
+            <a:chExt cx="8791560" cy="4687920"/>
           </a:xfrm>
         </p:grpSpPr>
         <p:sp>
@@ -3747,7 +3747,7 @@
           <p:spPr>
             <a:xfrm>
               <a:off x="713160" y="533520"/>
-              <a:ext cx="7862760" cy="4074120"/>
+              <a:ext cx="7862400" cy="4073760"/>
             </a:xfrm>
             <a:prstGeom prst="rect">
               <a:avLst/>
@@ -3798,7 +3798,7 @@
           <p:spPr>
             <a:xfrm flipV="1">
               <a:off x="713160" y="-78840"/>
-              <a:ext cx="720" cy="625320"/>
+              <a:ext cx="1080" cy="625680"/>
             </a:xfrm>
             <a:prstGeom prst="straightConnector1">
               <a:avLst/>
@@ -3820,7 +3820,7 @@
           <p:spPr>
             <a:xfrm>
               <a:off x="8571600" y="4608360"/>
-              <a:ext cx="933120" cy="720"/>
+              <a:ext cx="933480" cy="1080"/>
             </a:xfrm>
             <a:prstGeom prst="straightConnector1">
               <a:avLst/>
@@ -3843,7 +3843,7 @@
         <p:spPr>
           <a:xfrm>
             <a:off x="1094400" y="3384000"/>
-            <a:ext cx="5796360" cy="555480"/>
+            <a:ext cx="5796000" cy="555120"/>
           </a:xfrm>
           <a:prstGeom prst="rect">
             <a:avLst/>
@@ -4040,7 +4040,7 @@
         <p:spPr>
           <a:xfrm>
             <a:off x="-3422880" y="0"/>
-            <a:ext cx="5142960" cy="5142960"/>
+            <a:ext cx="5142600" cy="5142600"/>
           </a:xfrm>
           <a:prstGeom prst="ellipse">
             <a:avLst/>
@@ -4090,9 +4090,9 @@
         <p:grpSpPr>
           <a:xfrm>
             <a:off x="727200" y="-382320"/>
-            <a:ext cx="7703640" cy="5907240"/>
+            <a:ext cx="7704000" cy="5907600"/>
             <a:chOff x="727200" y="-382320"/>
-            <a:chExt cx="7703640" cy="5907240"/>
+            <a:chExt cx="7704000" cy="5907600"/>
           </a:xfrm>
         </p:grpSpPr>
         <p:sp>
@@ -4104,7 +4104,7 @@
           <p:spPr>
             <a:xfrm>
               <a:off x="727560" y="533520"/>
-              <a:ext cx="7702560" cy="4074120"/>
+              <a:ext cx="7702200" cy="4073760"/>
             </a:xfrm>
             <a:prstGeom prst="rect">
               <a:avLst/>
@@ -4155,7 +4155,7 @@
           <p:spPr>
             <a:xfrm>
               <a:off x="727200" y="4608360"/>
-              <a:ext cx="720" cy="916920"/>
+              <a:ext cx="1080" cy="917280"/>
             </a:xfrm>
             <a:prstGeom prst="straightConnector1">
               <a:avLst/>
@@ -4177,7 +4177,7 @@
           <p:spPr>
             <a:xfrm>
               <a:off x="8430480" y="-382320"/>
-              <a:ext cx="720" cy="916560"/>
+              <a:ext cx="1080" cy="916920"/>
             </a:xfrm>
             <a:prstGeom prst="straightConnector1">
               <a:avLst/>
@@ -4233,7 +4233,7 @@
         <p:spPr>
           <a:xfrm>
             <a:off x="8240760" y="4204440"/>
-            <a:ext cx="1860840" cy="1860840"/>
+            <a:ext cx="1860480" cy="1860480"/>
           </a:xfrm>
           <a:prstGeom prst="ellipse">
             <a:avLst/>
@@ -4283,9 +4283,9 @@
         <p:grpSpPr>
           <a:xfrm>
             <a:off x="232200" y="-49320"/>
-            <a:ext cx="8679240" cy="5250960"/>
+            <a:ext cx="8679600" cy="5251320"/>
             <a:chOff x="232200" y="-49320"/>
-            <a:chExt cx="8679240" cy="5250960"/>
+            <a:chExt cx="8679600" cy="5251320"/>
           </a:xfrm>
         </p:grpSpPr>
         <p:sp>
@@ -4297,7 +4297,7 @@
           <p:spPr>
             <a:xfrm>
               <a:off x="232200" y="232920"/>
-              <a:ext cx="8678160" cy="4683960"/>
+              <a:ext cx="8677800" cy="4683600"/>
             </a:xfrm>
             <a:prstGeom prst="rect">
               <a:avLst/>
@@ -4348,9 +4348,9 @@
           <p:grpSpPr>
             <a:xfrm>
               <a:off x="232200" y="-49320"/>
-              <a:ext cx="8679240" cy="5250960"/>
+              <a:ext cx="8679600" cy="5251320"/>
               <a:chOff x="232200" y="-49320"/>
-              <a:chExt cx="8679240" cy="5250960"/>
+              <a:chExt cx="8679600" cy="5251320"/>
             </a:xfrm>
           </p:grpSpPr>
           <p:cxnSp>
@@ -4362,7 +4362,7 @@
             <p:spPr>
               <a:xfrm flipV="1">
                 <a:off x="232200" y="-49320"/>
-                <a:ext cx="720" cy="284400"/>
+                <a:ext cx="1080" cy="284760"/>
               </a:xfrm>
               <a:prstGeom prst="straightConnector1">
                 <a:avLst/>
@@ -4384,7 +4384,7 @@
             <p:spPr>
               <a:xfrm flipV="1">
                 <a:off x="8911080" y="4917240"/>
-                <a:ext cx="720" cy="284760"/>
+                <a:ext cx="1080" cy="285120"/>
               </a:xfrm>
               <a:prstGeom prst="straightConnector1">
                 <a:avLst/>
@@ -4441,7 +4441,7 @@
         <p:spPr>
           <a:xfrm>
             <a:off x="8142120" y="-886680"/>
-            <a:ext cx="1860840" cy="1860840"/>
+            <a:ext cx="1860480" cy="1860480"/>
           </a:xfrm>
           <a:prstGeom prst="ellipse">
             <a:avLst/>
@@ -4491,9 +4491,9 @@
         <p:grpSpPr>
           <a:xfrm>
             <a:off x="232200" y="232560"/>
-            <a:ext cx="9045360" cy="4975920"/>
+            <a:ext cx="9045720" cy="4976280"/>
             <a:chOff x="232200" y="232560"/>
-            <a:chExt cx="9045360" cy="4975920"/>
+            <a:chExt cx="9045720" cy="4976280"/>
           </a:xfrm>
         </p:grpSpPr>
         <p:sp>
@@ -4505,7 +4505,7 @@
           <p:spPr>
             <a:xfrm>
               <a:off x="232200" y="232920"/>
-              <a:ext cx="8678160" cy="4683960"/>
+              <a:ext cx="8677800" cy="4683600"/>
             </a:xfrm>
             <a:prstGeom prst="rect">
               <a:avLst/>
@@ -4556,7 +4556,7 @@
           <p:spPr>
             <a:xfrm>
               <a:off x="8911080" y="232560"/>
-              <a:ext cx="366840" cy="720"/>
+              <a:ext cx="367200" cy="1080"/>
             </a:xfrm>
             <a:prstGeom prst="straightConnector1">
               <a:avLst/>
@@ -4578,7 +4578,7 @@
           <p:spPr>
             <a:xfrm>
               <a:off x="232200" y="4917240"/>
-              <a:ext cx="1800" cy="291600"/>
+              <a:ext cx="2160" cy="291960"/>
             </a:xfrm>
             <a:prstGeom prst="straightConnector1">
               <a:avLst/>
@@ -4634,7 +4634,7 @@
         <p:spPr>
           <a:xfrm>
             <a:off x="8240760" y="4204440"/>
-            <a:ext cx="1860840" cy="1860840"/>
+            <a:ext cx="1860480" cy="1860480"/>
           </a:xfrm>
           <a:prstGeom prst="ellipse">
             <a:avLst/>
@@ -4684,9 +4684,9 @@
         <p:grpSpPr>
           <a:xfrm>
             <a:off x="-18720" y="232560"/>
-            <a:ext cx="8930160" cy="5027760"/>
+            <a:ext cx="8930520" cy="5028120"/>
             <a:chOff x="-18720" y="232560"/>
-            <a:chExt cx="8930160" cy="5027760"/>
+            <a:chExt cx="8930520" cy="5028120"/>
           </a:xfrm>
         </p:grpSpPr>
         <p:sp>
@@ -4698,7 +4698,7 @@
           <p:spPr>
             <a:xfrm>
               <a:off x="232200" y="232920"/>
-              <a:ext cx="8678160" cy="4683960"/>
+              <a:ext cx="8677800" cy="4683600"/>
             </a:xfrm>
             <a:prstGeom prst="rect">
               <a:avLst/>
@@ -4749,7 +4749,7 @@
           <p:spPr>
             <a:xfrm flipH="1">
               <a:off x="-18720" y="232560"/>
-              <a:ext cx="259200" cy="720"/>
+              <a:ext cx="259560" cy="1080"/>
             </a:xfrm>
             <a:prstGeom prst="straightConnector1">
               <a:avLst/>
@@ -4771,7 +4771,7 @@
           <p:spPr>
             <a:xfrm>
               <a:off x="8911080" y="4917240"/>
-              <a:ext cx="720" cy="343440"/>
+              <a:ext cx="1080" cy="343800"/>
             </a:xfrm>
             <a:prstGeom prst="straightConnector1">
               <a:avLst/>
@@ -4797,8 +4797,8 @@
         </p:nvSpPr>
         <p:spPr>
           <a:xfrm>
-            <a:off x="1644480" y="1733400"/>
-            <a:ext cx="5854320" cy="759960"/>
+            <a:off x="457200" y="205200"/>
+            <a:ext cx="8228880" cy="858240"/>
           </a:xfrm>
           <a:prstGeom prst="rect">
             <a:avLst/>
@@ -5117,7 +5117,7 @@
         <p:spPr>
           <a:xfrm>
             <a:off x="8240760" y="4204440"/>
-            <a:ext cx="1860840" cy="1860840"/>
+            <a:ext cx="1860480" cy="1860480"/>
           </a:xfrm>
           <a:prstGeom prst="ellipse">
             <a:avLst/>
@@ -5167,9 +5167,9 @@
         <p:grpSpPr>
           <a:xfrm>
             <a:off x="-77040" y="232560"/>
-            <a:ext cx="8988480" cy="4964760"/>
+            <a:ext cx="8988840" cy="4965120"/>
             <a:chOff x="-77040" y="232560"/>
-            <a:chExt cx="8988480" cy="4964760"/>
+            <a:chExt cx="8988840" cy="4965120"/>
           </a:xfrm>
         </p:grpSpPr>
         <p:sp>
@@ -5181,7 +5181,7 @@
           <p:spPr>
             <a:xfrm>
               <a:off x="232200" y="232920"/>
-              <a:ext cx="8678160" cy="4683960"/>
+              <a:ext cx="8677800" cy="4683600"/>
             </a:xfrm>
             <a:prstGeom prst="rect">
               <a:avLst/>
@@ -5232,7 +5232,7 @@
           <p:spPr>
             <a:xfrm flipH="1">
               <a:off x="-77040" y="232560"/>
-              <a:ext cx="309960" cy="720"/>
+              <a:ext cx="310320" cy="1080"/>
             </a:xfrm>
             <a:prstGeom prst="straightConnector1">
               <a:avLst/>
@@ -5254,7 +5254,7 @@
           <p:spPr>
             <a:xfrm flipV="1">
               <a:off x="8911080" y="4890240"/>
-              <a:ext cx="720" cy="307440"/>
+              <a:ext cx="1080" cy="307800"/>
             </a:xfrm>
             <a:prstGeom prst="straightConnector1">
               <a:avLst/>
@@ -5280,8 +5280,8 @@
         </p:nvSpPr>
         <p:spPr>
           <a:xfrm>
-            <a:off x="1644480" y="1733400"/>
-            <a:ext cx="5854320" cy="759960"/>
+            <a:off x="457200" y="205200"/>
+            <a:ext cx="8228880" cy="858240"/>
           </a:xfrm>
           <a:prstGeom prst="rect">
             <a:avLst/>
@@ -5839,7 +5839,7 @@
         <p:spPr>
           <a:xfrm>
             <a:off x="8240760" y="4204440"/>
-            <a:ext cx="1860840" cy="1860840"/>
+            <a:ext cx="1860480" cy="1860480"/>
           </a:xfrm>
           <a:prstGeom prst="ellipse">
             <a:avLst/>
@@ -5889,9 +5889,9 @@
         <p:grpSpPr>
           <a:xfrm>
             <a:off x="232200" y="-49320"/>
-            <a:ext cx="8679240" cy="5250960"/>
+            <a:ext cx="8679600" cy="5251320"/>
             <a:chOff x="232200" y="-49320"/>
-            <a:chExt cx="8679240" cy="5250960"/>
+            <a:chExt cx="8679600" cy="5251320"/>
           </a:xfrm>
         </p:grpSpPr>
         <p:grpSp>
@@ -5903,9 +5903,9 @@
           <p:grpSpPr>
             <a:xfrm>
               <a:off x="232200" y="-49320"/>
-              <a:ext cx="8679240" cy="5250960"/>
+              <a:ext cx="8679600" cy="5251320"/>
               <a:chOff x="232200" y="-49320"/>
-              <a:chExt cx="8679240" cy="5250960"/>
+              <a:chExt cx="8679600" cy="5251320"/>
             </a:xfrm>
           </p:grpSpPr>
           <p:sp>
@@ -5917,7 +5917,7 @@
             <p:spPr>
               <a:xfrm>
                 <a:off x="232200" y="232920"/>
-                <a:ext cx="8678160" cy="4683960"/>
+                <a:ext cx="8677800" cy="4683600"/>
               </a:xfrm>
               <a:prstGeom prst="rect">
                 <a:avLst/>
@@ -5968,7 +5968,7 @@
             <p:spPr>
               <a:xfrm flipV="1">
                 <a:off x="8911080" y="-49320"/>
-                <a:ext cx="720" cy="284400"/>
+                <a:ext cx="1080" cy="284760"/>
               </a:xfrm>
               <a:prstGeom prst="straightConnector1">
                 <a:avLst/>
@@ -5990,7 +5990,7 @@
             <p:spPr>
               <a:xfrm flipV="1">
                 <a:off x="232200" y="4917240"/>
-                <a:ext cx="720" cy="284760"/>
+                <a:ext cx="1080" cy="285120"/>
               </a:xfrm>
               <a:prstGeom prst="straightConnector1">
                 <a:avLst/>
@@ -6013,7 +6013,7 @@
           <p:spPr>
             <a:xfrm>
               <a:off x="232200" y="232920"/>
-              <a:ext cx="8678160" cy="4683960"/>
+              <a:ext cx="8677800" cy="4683600"/>
             </a:xfrm>
             <a:prstGeom prst="rect">
               <a:avLst/>
@@ -6068,8 +6068,8 @@
         </p:nvSpPr>
         <p:spPr>
           <a:xfrm>
-            <a:off x="1644480" y="1733400"/>
-            <a:ext cx="5854320" cy="759960"/>
+            <a:off x="457200" y="205200"/>
+            <a:ext cx="8228880" cy="858240"/>
           </a:xfrm>
           <a:prstGeom prst="rect">
             <a:avLst/>
@@ -6149,7 +6149,7 @@
         <p:spPr>
           <a:xfrm>
             <a:off x="8240760" y="4204440"/>
-            <a:ext cx="1860840" cy="1860840"/>
+            <a:ext cx="1860480" cy="1860480"/>
           </a:xfrm>
           <a:prstGeom prst="ellipse">
             <a:avLst/>
@@ -6199,9 +6199,9 @@
         <p:grpSpPr>
           <a:xfrm>
             <a:off x="-18720" y="-15840"/>
-            <a:ext cx="8930160" cy="4933440"/>
+            <a:ext cx="8930520" cy="4933800"/>
             <a:chOff x="-18720" y="-15840"/>
-            <a:chExt cx="8930160" cy="4933440"/>
+            <a:chExt cx="8930520" cy="4933800"/>
           </a:xfrm>
         </p:grpSpPr>
         <p:sp>
@@ -6213,7 +6213,7 @@
           <p:spPr>
             <a:xfrm>
               <a:off x="232200" y="232920"/>
-              <a:ext cx="8678160" cy="4683960"/>
+              <a:ext cx="8677800" cy="4683600"/>
             </a:xfrm>
             <a:prstGeom prst="rect">
               <a:avLst/>
@@ -6264,7 +6264,7 @@
           <p:spPr>
             <a:xfrm flipH="1">
               <a:off x="-18720" y="4917240"/>
-              <a:ext cx="259200" cy="720"/>
+              <a:ext cx="259560" cy="1080"/>
             </a:xfrm>
             <a:prstGeom prst="straightConnector1">
               <a:avLst/>
@@ -6286,7 +6286,7 @@
           <p:spPr>
             <a:xfrm flipV="1">
               <a:off x="8911080" y="-15840"/>
-              <a:ext cx="720" cy="259200"/>
+              <a:ext cx="1080" cy="259560"/>
             </a:xfrm>
             <a:prstGeom prst="straightConnector1">
               <a:avLst/>
@@ -6342,7 +6342,7 @@
         <p:spPr>
           <a:xfrm>
             <a:off x="2007360" y="2777040"/>
-            <a:ext cx="5142960" cy="5142960"/>
+            <a:ext cx="5142600" cy="5142600"/>
           </a:xfrm>
           <a:prstGeom prst="ellipse">
             <a:avLst/>
@@ -6392,9 +6392,9 @@
         <p:grpSpPr>
           <a:xfrm>
             <a:off x="0" y="533520"/>
-            <a:ext cx="9271080" cy="4075200"/>
+            <a:ext cx="9271440" cy="4075560"/>
             <a:chOff x="0" y="533520"/>
-            <a:chExt cx="9271080" cy="4075200"/>
+            <a:chExt cx="9271440" cy="4075560"/>
           </a:xfrm>
         </p:grpSpPr>
         <p:sp>
@@ -6406,7 +6406,7 @@
           <p:spPr>
             <a:xfrm>
               <a:off x="727560" y="533520"/>
-              <a:ext cx="7702560" cy="4074120"/>
+              <a:ext cx="7702200" cy="4073760"/>
             </a:xfrm>
             <a:prstGeom prst="rect">
               <a:avLst/>
@@ -6457,7 +6457,7 @@
           <p:spPr>
             <a:xfrm flipH="1">
               <a:off x="8430840" y="533520"/>
-              <a:ext cx="840600" cy="720"/>
+              <a:ext cx="840960" cy="1080"/>
             </a:xfrm>
             <a:prstGeom prst="straightConnector1">
               <a:avLst/>
@@ -6479,7 +6479,7 @@
           <p:spPr>
             <a:xfrm flipH="1">
               <a:off x="0" y="4608360"/>
-              <a:ext cx="741240" cy="720"/>
+              <a:ext cx="741600" cy="1080"/>
             </a:xfrm>
             <a:prstGeom prst="straightConnector1">
               <a:avLst/>
@@ -6825,7 +6825,7 @@
         <p:spPr>
           <a:xfrm>
             <a:off x="-2613600" y="-126000"/>
-            <a:ext cx="5401440" cy="5401440"/>
+            <a:ext cx="5401080" cy="5401080"/>
           </a:xfrm>
           <a:prstGeom prst="ellipse">
             <a:avLst/>
@@ -6875,9 +6875,9 @@
         <p:grpSpPr>
           <a:xfrm>
             <a:off x="727200" y="-48960"/>
-            <a:ext cx="7703640" cy="5243040"/>
+            <a:ext cx="7704000" cy="5243400"/>
             <a:chOff x="727200" y="-48960"/>
-            <a:chExt cx="7703640" cy="5243040"/>
+            <a:chExt cx="7704000" cy="5243400"/>
           </a:xfrm>
         </p:grpSpPr>
         <p:sp>
@@ -6889,7 +6889,7 @@
           <p:spPr>
             <a:xfrm>
               <a:off x="727560" y="533520"/>
-              <a:ext cx="7702560" cy="4074120"/>
+              <a:ext cx="7702200" cy="4073760"/>
             </a:xfrm>
             <a:prstGeom prst="rect">
               <a:avLst/>
@@ -6940,7 +6940,7 @@
           <p:spPr>
             <a:xfrm flipV="1">
               <a:off x="727200" y="-48960"/>
-              <a:ext cx="720" cy="585720"/>
+              <a:ext cx="1080" cy="586080"/>
             </a:xfrm>
             <a:prstGeom prst="straightConnector1">
               <a:avLst/>
@@ -6962,7 +6962,7 @@
           <p:spPr>
             <a:xfrm flipV="1">
               <a:off x="8430480" y="4608360"/>
-              <a:ext cx="720" cy="586080"/>
+              <a:ext cx="1080" cy="586440"/>
             </a:xfrm>
             <a:prstGeom prst="straightConnector1">
               <a:avLst/>
@@ -7150,7 +7150,7 @@
         <p:spPr>
           <a:xfrm>
             <a:off x="-941760" y="4204440"/>
-            <a:ext cx="1860840" cy="1860840"/>
+            <a:ext cx="1860480" cy="1860480"/>
           </a:xfrm>
           <a:prstGeom prst="ellipse">
             <a:avLst/>
@@ -7200,9 +7200,9 @@
         <p:grpSpPr>
           <a:xfrm>
             <a:off x="-18720" y="232560"/>
-            <a:ext cx="9189000" cy="4685040"/>
+            <a:ext cx="9189360" cy="4685400"/>
             <a:chOff x="-18720" y="232560"/>
-            <a:chExt cx="9189000" cy="4685040"/>
+            <a:chExt cx="9189360" cy="4685400"/>
           </a:xfrm>
         </p:grpSpPr>
         <p:sp>
@@ -7214,7 +7214,7 @@
           <p:spPr>
             <a:xfrm>
               <a:off x="232200" y="232920"/>
-              <a:ext cx="8678160" cy="4683960"/>
+              <a:ext cx="8677800" cy="4683600"/>
             </a:xfrm>
             <a:prstGeom prst="rect">
               <a:avLst/>
@@ -7265,7 +7265,7 @@
           <p:spPr>
             <a:xfrm flipH="1">
               <a:off x="-18720" y="232560"/>
-              <a:ext cx="259200" cy="720"/>
+              <a:ext cx="259560" cy="1080"/>
             </a:xfrm>
             <a:prstGeom prst="straightConnector1">
               <a:avLst/>
@@ -7287,7 +7287,7 @@
           <p:spPr>
             <a:xfrm flipH="1">
               <a:off x="8911080" y="4917240"/>
-              <a:ext cx="259560" cy="720"/>
+              <a:ext cx="259920" cy="1080"/>
             </a:xfrm>
             <a:prstGeom prst="straightConnector1">
               <a:avLst/>
@@ -7343,7 +7343,7 @@
         <p:spPr>
           <a:xfrm>
             <a:off x="-2125440" y="3018600"/>
-            <a:ext cx="4242600" cy="4242600"/>
+            <a:ext cx="4242240" cy="4242240"/>
           </a:xfrm>
           <a:prstGeom prst="ellipse">
             <a:avLst/>
@@ -7393,9 +7393,9 @@
         <p:grpSpPr>
           <a:xfrm>
             <a:off x="727200" y="-29160"/>
-            <a:ext cx="8551080" cy="4637880"/>
+            <a:ext cx="8551440" cy="4638240"/>
             <a:chOff x="727200" y="-29160"/>
-            <a:chExt cx="8551080" cy="4637880"/>
+            <a:chExt cx="8551440" cy="4638240"/>
           </a:xfrm>
         </p:grpSpPr>
         <p:sp>
@@ -7407,7 +7407,7 @@
           <p:spPr>
             <a:xfrm>
               <a:off x="727560" y="533520"/>
-              <a:ext cx="7702560" cy="4074120"/>
+              <a:ext cx="7702200" cy="4073760"/>
             </a:xfrm>
             <a:prstGeom prst="rect">
               <a:avLst/>
@@ -7458,7 +7458,7 @@
           <p:spPr>
             <a:xfrm flipV="1">
               <a:off x="727200" y="-29160"/>
-              <a:ext cx="720" cy="563400"/>
+              <a:ext cx="1080" cy="563760"/>
             </a:xfrm>
             <a:prstGeom prst="straightConnector1">
               <a:avLst/>
@@ -7480,7 +7480,7 @@
           <p:spPr>
             <a:xfrm>
               <a:off x="8430480" y="4608360"/>
-              <a:ext cx="848160" cy="720"/>
+              <a:ext cx="848520" cy="1080"/>
             </a:xfrm>
             <a:prstGeom prst="straightConnector1">
               <a:avLst/>
@@ -7536,7 +7536,7 @@
         <p:spPr>
           <a:xfrm>
             <a:off x="3552840" y="4204440"/>
-            <a:ext cx="1860840" cy="1860840"/>
+            <a:ext cx="1860480" cy="1860480"/>
           </a:xfrm>
           <a:prstGeom prst="ellipse">
             <a:avLst/>
@@ -7586,9 +7586,9 @@
         <p:grpSpPr>
           <a:xfrm>
             <a:off x="-50400" y="232560"/>
-            <a:ext cx="8960760" cy="4684320"/>
+            <a:ext cx="8960400" cy="4683960"/>
             <a:chOff x="-50400" y="232560"/>
-            <a:chExt cx="8960760" cy="4684320"/>
+            <a:chExt cx="8960400" cy="4683960"/>
           </a:xfrm>
         </p:grpSpPr>
         <p:sp>
@@ -7600,7 +7600,7 @@
           <p:spPr>
             <a:xfrm>
               <a:off x="232200" y="232920"/>
-              <a:ext cx="8678160" cy="4683960"/>
+              <a:ext cx="8677800" cy="4683600"/>
             </a:xfrm>
             <a:prstGeom prst="rect">
               <a:avLst/>
@@ -7651,7 +7651,7 @@
           <p:spPr>
             <a:xfrm flipH="1">
               <a:off x="-50400" y="232560"/>
-              <a:ext cx="309600" cy="720"/>
+              <a:ext cx="309960" cy="1080"/>
             </a:xfrm>
             <a:prstGeom prst="straightConnector1">
               <a:avLst/>
@@ -7707,7 +7707,7 @@
         <p:spPr>
           <a:xfrm>
             <a:off x="-923040" y="-945360"/>
-            <a:ext cx="1860840" cy="1860840"/>
+            <a:ext cx="1860480" cy="1860480"/>
           </a:xfrm>
           <a:prstGeom prst="ellipse">
             <a:avLst/>
@@ -7757,9 +7757,9 @@
         <p:grpSpPr>
           <a:xfrm>
             <a:off x="-18720" y="232560"/>
-            <a:ext cx="9176040" cy="4685040"/>
+            <a:ext cx="9176400" cy="4685400"/>
             <a:chOff x="-18720" y="232560"/>
-            <a:chExt cx="9176040" cy="4685040"/>
+            <a:chExt cx="9176400" cy="4685400"/>
           </a:xfrm>
         </p:grpSpPr>
         <p:sp>
@@ -7771,7 +7771,7 @@
           <p:spPr>
             <a:xfrm>
               <a:off x="232200" y="232920"/>
-              <a:ext cx="8678160" cy="4683960"/>
+              <a:ext cx="8677800" cy="4683600"/>
             </a:xfrm>
             <a:prstGeom prst="rect">
               <a:avLst/>
@@ -7822,7 +7822,7 @@
           <p:spPr>
             <a:xfrm flipH="1">
               <a:off x="-18720" y="232560"/>
-              <a:ext cx="259200" cy="720"/>
+              <a:ext cx="259560" cy="1080"/>
             </a:xfrm>
             <a:prstGeom prst="straightConnector1">
               <a:avLst/>
@@ -7844,7 +7844,7 @@
           <p:spPr>
             <a:xfrm>
               <a:off x="8917200" y="4917240"/>
-              <a:ext cx="240480" cy="720"/>
+              <a:ext cx="240840" cy="1080"/>
             </a:xfrm>
             <a:prstGeom prst="straightConnector1">
               <a:avLst/>
@@ -7900,7 +7900,7 @@
         <p:spPr>
           <a:xfrm>
             <a:off x="8240760" y="4204440"/>
-            <a:ext cx="1860840" cy="1860840"/>
+            <a:ext cx="1860480" cy="1860480"/>
           </a:xfrm>
           <a:prstGeom prst="ellipse">
             <a:avLst/>
@@ -7950,9 +7950,9 @@
         <p:grpSpPr>
           <a:xfrm>
             <a:off x="232200" y="232560"/>
-            <a:ext cx="8938080" cy="4933440"/>
+            <a:ext cx="8938440" cy="4933800"/>
             <a:chOff x="232200" y="232560"/>
-            <a:chExt cx="8938080" cy="4933440"/>
+            <a:chExt cx="8938440" cy="4933800"/>
           </a:xfrm>
         </p:grpSpPr>
         <p:sp>
@@ -7964,7 +7964,7 @@
           <p:spPr>
             <a:xfrm>
               <a:off x="232200" y="232920"/>
-              <a:ext cx="8678160" cy="4683960"/>
+              <a:ext cx="8677800" cy="4683600"/>
             </a:xfrm>
             <a:prstGeom prst="rect">
               <a:avLst/>
@@ -8015,7 +8015,7 @@
           <p:spPr>
             <a:xfrm flipH="1">
               <a:off x="8911080" y="232560"/>
-              <a:ext cx="259560" cy="720"/>
+              <a:ext cx="259920" cy="1080"/>
             </a:xfrm>
             <a:prstGeom prst="straightConnector1">
               <a:avLst/>
@@ -8037,7 +8037,7 @@
           <p:spPr>
             <a:xfrm>
               <a:off x="233280" y="4912920"/>
-              <a:ext cx="720" cy="253440"/>
+              <a:ext cx="1080" cy="253800"/>
             </a:xfrm>
             <a:prstGeom prst="straightConnector1">
               <a:avLst/>
@@ -8093,7 +8093,7 @@
         <p:spPr>
           <a:xfrm>
             <a:off x="7069320" y="3282840"/>
-            <a:ext cx="3701160" cy="3701160"/>
+            <a:ext cx="3700800" cy="3700800"/>
           </a:xfrm>
           <a:prstGeom prst="ellipse">
             <a:avLst/>
@@ -8143,9 +8143,9 @@
         <p:grpSpPr>
           <a:xfrm>
             <a:off x="-18720" y="232560"/>
-            <a:ext cx="8930160" cy="5117760"/>
+            <a:ext cx="8930520" cy="5118120"/>
             <a:chOff x="-18720" y="232560"/>
-            <a:chExt cx="8930160" cy="5117760"/>
+            <a:chExt cx="8930520" cy="5118120"/>
           </a:xfrm>
         </p:grpSpPr>
         <p:sp>
@@ -8157,7 +8157,7 @@
           <p:spPr>
             <a:xfrm>
               <a:off x="232200" y="232920"/>
-              <a:ext cx="8678160" cy="4683960"/>
+              <a:ext cx="8677800" cy="4683600"/>
             </a:xfrm>
             <a:prstGeom prst="rect">
               <a:avLst/>
@@ -8208,7 +8208,7 @@
           <p:spPr>
             <a:xfrm flipH="1">
               <a:off x="-18720" y="232560"/>
-              <a:ext cx="259200" cy="720"/>
+              <a:ext cx="259560" cy="1080"/>
             </a:xfrm>
             <a:prstGeom prst="straightConnector1">
               <a:avLst/>
@@ -8230,7 +8230,7 @@
           <p:spPr>
             <a:xfrm flipV="1">
               <a:off x="8911080" y="4916880"/>
-              <a:ext cx="720" cy="433800"/>
+              <a:ext cx="1080" cy="434160"/>
             </a:xfrm>
             <a:prstGeom prst="straightConnector1">
               <a:avLst/>
@@ -8283,7 +8283,7 @@
         <p:spPr>
           <a:xfrm>
             <a:off x="914400" y="2138040"/>
-            <a:ext cx="7314840" cy="1391760"/>
+            <a:ext cx="7314480" cy="1391400"/>
           </a:xfrm>
           <a:prstGeom prst="rect">
             <a:avLst/>
@@ -8344,7 +8344,7 @@
         <p:spPr>
           <a:xfrm>
             <a:off x="960840" y="3886200"/>
-            <a:ext cx="7268400" cy="475200"/>
+            <a:ext cx="7268040" cy="474840"/>
           </a:xfrm>
           <a:prstGeom prst="rect">
             <a:avLst/>
@@ -8442,7 +8442,7 @@
         <p:spPr>
           <a:xfrm>
             <a:off x="961200" y="4210560"/>
-            <a:ext cx="7268400" cy="475200"/>
+            <a:ext cx="7268040" cy="474840"/>
           </a:xfrm>
           <a:prstGeom prst="rect">
             <a:avLst/>
@@ -8531,7 +8531,7 @@
         <p:spPr>
           <a:xfrm>
             <a:off x="713520" y="444960"/>
-            <a:ext cx="7710120" cy="572040"/>
+            <a:ext cx="7709760" cy="571680"/>
           </a:xfrm>
           <a:prstGeom prst="rect">
             <a:avLst/>
@@ -8596,7 +8596,7 @@
         <p:spPr>
           <a:xfrm>
             <a:off x="723240" y="1136520"/>
-            <a:ext cx="7783560" cy="529560"/>
+            <a:ext cx="7783200" cy="529200"/>
           </a:xfrm>
           <a:prstGeom prst="rect">
             <a:avLst/>
@@ -8665,7 +8665,7 @@
         <p:spPr>
           <a:xfrm>
             <a:off x="1371600" y="2514600"/>
-            <a:ext cx="6325200" cy="2057040"/>
+            <a:ext cx="6324840" cy="2056680"/>
           </a:xfrm>
           <a:prstGeom prst="rect">
             <a:avLst/>
@@ -8714,7 +8714,7 @@
         <p:spPr>
           <a:xfrm>
             <a:off x="713520" y="444960"/>
-            <a:ext cx="7710120" cy="572040"/>
+            <a:ext cx="7709760" cy="571680"/>
           </a:xfrm>
           <a:prstGeom prst="rect">
             <a:avLst/>
@@ -8783,7 +8783,7 @@
         <p:spPr>
           <a:xfrm>
             <a:off x="457200" y="1212480"/>
-            <a:ext cx="8228880" cy="3359160"/>
+            <a:ext cx="8228520" cy="3358800"/>
           </a:xfrm>
           <a:prstGeom prst="rect">
             <a:avLst/>
@@ -8796,13 +8796,13 @@
       <p:sp>
         <p:nvSpPr>
           <p:cNvPr id="166" name=""/>
-          <p:cNvSpPr txBox="1"/>
+          <p:cNvSpPr/>
           <p:nvPr/>
         </p:nvSpPr>
         <p:spPr>
           <a:xfrm>
             <a:off x="7158600" y="3922200"/>
-            <a:ext cx="230040" cy="232200"/>
+            <a:ext cx="229680" cy="231840"/>
           </a:xfrm>
           <a:prstGeom prst="rect">
             <a:avLst/>
@@ -8812,11 +8812,22 @@
             <a:noFill/>
           </a:ln>
         </p:spPr>
+        <p:style>
+          <a:lnRef idx="0"/>
+          <a:fillRef idx="0"/>
+          <a:effectRef idx="0"/>
+          <a:fontRef idx="minor"/>
+        </p:style>
         <p:txBody>
           <a:bodyPr wrap="none" lIns="90000" rIns="90000" tIns="45000" bIns="45000" anchor="t">
             <a:noAutofit/>
           </a:bodyPr>
           <a:p>
+            <a:pPr>
+              <a:lnSpc>
+                <a:spcPct val="100000"/>
+              </a:lnSpc>
+            </a:pPr>
             <a:r>
               <a:rPr b="0" lang="en-US" sz="1000" strike="noStrike" u="none">
                 <a:solidFill>
@@ -8846,7 +8857,7 @@
         <p:spPr>
           <a:xfrm>
             <a:off x="3970800" y="4559760"/>
-            <a:ext cx="4824000" cy="318960"/>
+            <a:ext cx="4823640" cy="318600"/>
           </a:xfrm>
           <a:prstGeom prst="rect">
             <a:avLst/>
@@ -8942,7 +8953,7 @@
         <p:spPr>
           <a:xfrm>
             <a:off x="713520" y="444960"/>
-            <a:ext cx="7710120" cy="572040"/>
+            <a:ext cx="7709760" cy="571680"/>
           </a:xfrm>
           <a:prstGeom prst="rect">
             <a:avLst/>
@@ -10278,7 +10289,7 @@
         <p:spPr>
           <a:xfrm>
             <a:off x="613800" y="4595760"/>
-            <a:ext cx="6737040" cy="318960"/>
+            <a:ext cx="6736680" cy="318600"/>
           </a:xfrm>
           <a:prstGeom prst="rect">
             <a:avLst/>
@@ -10313,17 +10324,7 @@
                 <a:latin typeface="Arial"/>
                 <a:ea typeface="Microsoft YaHei"/>
               </a:rPr>
-              <a:t>*</a:t>
-            </a:r>
-            <a:r>
-              <a:rPr b="0" lang="en-US" sz="800" strike="noStrike" u="none">
-                <a:solidFill>
-                  <a:srgbClr val="000000"/>
-                </a:solidFill>
-                <a:uFillTx/>
-                <a:latin typeface="Arial"/>
-              </a:rPr>
-              <a:t> ExchangeRate-API је производ компаније AYR Tech (Pty) Ltd. - </a:t>
+              <a:t>* ExchangeRate-API је производ компаније AYR Tech (Pty) Ltd. - </a:t>
             </a:r>
             <a:r>
               <a:rPr b="0" lang="en-US" sz="800" strike="noStrike" u="none">
@@ -10332,6 +10333,7 @@
                 </a:solidFill>
                 <a:uFillTx/>
                 <a:latin typeface="Arial"/>
+                <a:ea typeface="Microsoft YaHei"/>
                 <a:hlinkClick r:id="rId1"/>
               </a:rPr>
               <a:t>https://www.exchangerate-api.com/</a:t>
@@ -10385,7 +10387,7 @@
         <p:spPr>
           <a:xfrm>
             <a:off x="713520" y="444960"/>
-            <a:ext cx="7710120" cy="572040"/>
+            <a:ext cx="7709760" cy="571680"/>
           </a:xfrm>
           <a:prstGeom prst="rect">
             <a:avLst/>
@@ -10450,7 +10452,7 @@
         <p:spPr>
           <a:xfrm>
             <a:off x="723240" y="1527480"/>
-            <a:ext cx="3619800" cy="529560"/>
+            <a:ext cx="3619440" cy="529200"/>
           </a:xfrm>
           <a:prstGeom prst="rect">
             <a:avLst/>
@@ -10588,7 +10590,7 @@
         <p:spPr>
           <a:xfrm>
             <a:off x="4343400" y="1532520"/>
-            <a:ext cx="4473720" cy="2846520"/>
+            <a:ext cx="4473360" cy="2846160"/>
           </a:xfrm>
           <a:prstGeom prst="rect">
             <a:avLst/>
@@ -10637,7 +10639,7 @@
         <p:spPr>
           <a:xfrm>
             <a:off x="713520" y="444960"/>
-            <a:ext cx="7710120" cy="572040"/>
+            <a:ext cx="7709760" cy="571680"/>
           </a:xfrm>
           <a:prstGeom prst="rect">
             <a:avLst/>
@@ -10702,7 +10704,7 @@
         <p:spPr>
           <a:xfrm>
             <a:off x="723240" y="1059480"/>
-            <a:ext cx="3619800" cy="529560"/>
+            <a:ext cx="3619440" cy="529200"/>
           </a:xfrm>
           <a:prstGeom prst="rect">
             <a:avLst/>
@@ -10839,7 +10841,7 @@
         <p:spPr>
           <a:xfrm>
             <a:off x="4389480" y="1089360"/>
-            <a:ext cx="4368960" cy="1901160"/>
+            <a:ext cx="4368600" cy="1900800"/>
           </a:xfrm>
           <a:prstGeom prst="rect">
             <a:avLst/>
@@ -10862,7 +10864,7 @@
         <p:spPr>
           <a:xfrm>
             <a:off x="4415400" y="3115800"/>
-            <a:ext cx="4379040" cy="1411560"/>
+            <a:ext cx="4378680" cy="1411200"/>
           </a:xfrm>
           <a:prstGeom prst="rect">
             <a:avLst/>
@@ -10915,7 +10917,7 @@
         <p:spPr>
           <a:xfrm>
             <a:off x="1644480" y="1733400"/>
-            <a:ext cx="5854320" cy="759960"/>
+            <a:ext cx="5853960" cy="759600"/>
           </a:xfrm>
           <a:prstGeom prst="rect">
             <a:avLst/>
